--- a/Sprint1/Power Point/Apresentação Power Point.pptx
+++ b/Sprint1/Power Point/Apresentação Power Point.pptx
@@ -118,6 +118,11 @@
       </a:defRPr>
     </a:lvl9pPr>
   </p:defaultTextStyle>
+  <p:extLst>
+    <p:ext uri="{EFAFB233-063F-42B5-8137-9DF3F51BA10A}">
+      <p15:sldGuideLst xmlns:p15="http://schemas.microsoft.com/office/powerpoint/2012/main"/>
+    </p:ext>
+  </p:extLst>
 </p:presentation>
 </file>
 
@@ -252,7 +257,7 @@
           <a:p>
             <a:fld id="{192710BE-0B29-44C9-A9DB-8F10F96522F7}" type="datetimeFigureOut">
               <a:rPr lang="pt-BR" smtClean="0"/>
-              <a:t>11/03/2021</a:t>
+              <a:t>12/03/2021</a:t>
             </a:fld>
             <a:endParaRPr lang="pt-BR"/>
           </a:p>
@@ -422,7 +427,7 @@
           <a:p>
             <a:fld id="{192710BE-0B29-44C9-A9DB-8F10F96522F7}" type="datetimeFigureOut">
               <a:rPr lang="pt-BR" smtClean="0"/>
-              <a:t>11/03/2021</a:t>
+              <a:t>12/03/2021</a:t>
             </a:fld>
             <a:endParaRPr lang="pt-BR"/>
           </a:p>
@@ -602,7 +607,7 @@
           <a:p>
             <a:fld id="{192710BE-0B29-44C9-A9DB-8F10F96522F7}" type="datetimeFigureOut">
               <a:rPr lang="pt-BR" smtClean="0"/>
-              <a:t>11/03/2021</a:t>
+              <a:t>12/03/2021</a:t>
             </a:fld>
             <a:endParaRPr lang="pt-BR"/>
           </a:p>
@@ -772,7 +777,7 @@
           <a:p>
             <a:fld id="{192710BE-0B29-44C9-A9DB-8F10F96522F7}" type="datetimeFigureOut">
               <a:rPr lang="pt-BR" smtClean="0"/>
-              <a:t>11/03/2021</a:t>
+              <a:t>12/03/2021</a:t>
             </a:fld>
             <a:endParaRPr lang="pt-BR"/>
           </a:p>
@@ -1018,7 +1023,7 @@
           <a:p>
             <a:fld id="{192710BE-0B29-44C9-A9DB-8F10F96522F7}" type="datetimeFigureOut">
               <a:rPr lang="pt-BR" smtClean="0"/>
-              <a:t>11/03/2021</a:t>
+              <a:t>12/03/2021</a:t>
             </a:fld>
             <a:endParaRPr lang="pt-BR"/>
           </a:p>
@@ -1250,7 +1255,7 @@
           <a:p>
             <a:fld id="{192710BE-0B29-44C9-A9DB-8F10F96522F7}" type="datetimeFigureOut">
               <a:rPr lang="pt-BR" smtClean="0"/>
-              <a:t>11/03/2021</a:t>
+              <a:t>12/03/2021</a:t>
             </a:fld>
             <a:endParaRPr lang="pt-BR"/>
           </a:p>
@@ -1617,7 +1622,7 @@
           <a:p>
             <a:fld id="{192710BE-0B29-44C9-A9DB-8F10F96522F7}" type="datetimeFigureOut">
               <a:rPr lang="pt-BR" smtClean="0"/>
-              <a:t>11/03/2021</a:t>
+              <a:t>12/03/2021</a:t>
             </a:fld>
             <a:endParaRPr lang="pt-BR"/>
           </a:p>
@@ -1735,7 +1740,7 @@
           <a:p>
             <a:fld id="{192710BE-0B29-44C9-A9DB-8F10F96522F7}" type="datetimeFigureOut">
               <a:rPr lang="pt-BR" smtClean="0"/>
-              <a:t>11/03/2021</a:t>
+              <a:t>12/03/2021</a:t>
             </a:fld>
             <a:endParaRPr lang="pt-BR"/>
           </a:p>
@@ -1830,7 +1835,7 @@
           <a:p>
             <a:fld id="{192710BE-0B29-44C9-A9DB-8F10F96522F7}" type="datetimeFigureOut">
               <a:rPr lang="pt-BR" smtClean="0"/>
-              <a:t>11/03/2021</a:t>
+              <a:t>12/03/2021</a:t>
             </a:fld>
             <a:endParaRPr lang="pt-BR"/>
           </a:p>
@@ -2107,7 +2112,7 @@
           <a:p>
             <a:fld id="{192710BE-0B29-44C9-A9DB-8F10F96522F7}" type="datetimeFigureOut">
               <a:rPr lang="pt-BR" smtClean="0"/>
-              <a:t>11/03/2021</a:t>
+              <a:t>12/03/2021</a:t>
             </a:fld>
             <a:endParaRPr lang="pt-BR"/>
           </a:p>
@@ -2364,7 +2369,7 @@
           <a:p>
             <a:fld id="{192710BE-0B29-44C9-A9DB-8F10F96522F7}" type="datetimeFigureOut">
               <a:rPr lang="pt-BR" smtClean="0"/>
-              <a:t>11/03/2021</a:t>
+              <a:t>12/03/2021</a:t>
             </a:fld>
             <a:endParaRPr lang="pt-BR"/>
           </a:p>
@@ -2577,7 +2582,7 @@
           <a:p>
             <a:fld id="{192710BE-0B29-44C9-A9DB-8F10F96522F7}" type="datetimeFigureOut">
               <a:rPr lang="pt-BR" smtClean="0"/>
-              <a:t>11/03/2021</a:t>
+              <a:t>12/03/2021</a:t>
             </a:fld>
             <a:endParaRPr lang="pt-BR"/>
           </a:p>
@@ -2992,10 +2997,10 @@
       </p:grpSpPr>
       <p:pic>
         <p:nvPicPr>
-          <p:cNvPr id="5" name="Imagem 4">
+          <p:cNvPr id="3" name="Imagem 2">
             <a:extLst>
               <a:ext uri="{FF2B5EF4-FFF2-40B4-BE49-F238E27FC236}">
-                <a16:creationId xmlns:a16="http://schemas.microsoft.com/office/drawing/2014/main" id="{8980DDDF-937E-492C-8786-DC655032AEEF}"/>
+                <a16:creationId xmlns:a16="http://schemas.microsoft.com/office/drawing/2014/main" id="{6648B01B-60C6-4C07-842D-1733FE87E852}"/>
               </a:ext>
             </a:extLst>
           </p:cNvPr>
@@ -3018,8 +3023,8 @@
         </p:blipFill>
         <p:spPr>
           <a:xfrm>
-            <a:off x="1079602" y="787267"/>
-            <a:ext cx="5213158" cy="2932403"/>
+            <a:off x="0" y="1"/>
+            <a:ext cx="7372350" cy="4506912"/>
           </a:xfrm>
           <a:prstGeom prst="rect">
             <a:avLst/>
